--- a/VAN 图.pptx
+++ b/VAN 图.pptx
@@ -107,6 +107,11 @@
       </a:defRPr>
     </a:lvl9pPr>
   </p:defaultTextStyle>
+  <p:extLst>
+    <p:ext uri="{EFAFB233-063F-42B5-8137-9DF3F51BA10A}">
+      <p15:sldGuideLst xmlns:p15="http://schemas.microsoft.com/office/powerpoint/2012/main"/>
+    </p:ext>
+  </p:extLst>
 </p:presentation>
 </file>
 
@@ -257,7 +262,7 @@
           <a:p>
             <a:fld id="{80373113-9E69-4D39-B6AA-427C4D40D4A6}" type="datetimeFigureOut">
               <a:rPr lang="zh-CN" altLang="en-US" smtClean="0"/>
-              <a:t>2023/6/23</a:t>
+              <a:t>2023/6/24</a:t>
             </a:fld>
             <a:endParaRPr lang="zh-CN" altLang="en-US"/>
           </a:p>
@@ -455,7 +460,7 @@
           <a:p>
             <a:fld id="{80373113-9E69-4D39-B6AA-427C4D40D4A6}" type="datetimeFigureOut">
               <a:rPr lang="zh-CN" altLang="en-US" smtClean="0"/>
-              <a:t>2023/6/23</a:t>
+              <a:t>2023/6/24</a:t>
             </a:fld>
             <a:endParaRPr lang="zh-CN" altLang="en-US"/>
           </a:p>
@@ -663,7 +668,7 @@
           <a:p>
             <a:fld id="{80373113-9E69-4D39-B6AA-427C4D40D4A6}" type="datetimeFigureOut">
               <a:rPr lang="zh-CN" altLang="en-US" smtClean="0"/>
-              <a:t>2023/6/23</a:t>
+              <a:t>2023/6/24</a:t>
             </a:fld>
             <a:endParaRPr lang="zh-CN" altLang="en-US"/>
           </a:p>
@@ -861,7 +866,7 @@
           <a:p>
             <a:fld id="{80373113-9E69-4D39-B6AA-427C4D40D4A6}" type="datetimeFigureOut">
               <a:rPr lang="zh-CN" altLang="en-US" smtClean="0"/>
-              <a:t>2023/6/23</a:t>
+              <a:t>2023/6/24</a:t>
             </a:fld>
             <a:endParaRPr lang="zh-CN" altLang="en-US"/>
           </a:p>
@@ -1136,7 +1141,7 @@
           <a:p>
             <a:fld id="{80373113-9E69-4D39-B6AA-427C4D40D4A6}" type="datetimeFigureOut">
               <a:rPr lang="zh-CN" altLang="en-US" smtClean="0"/>
-              <a:t>2023/6/23</a:t>
+              <a:t>2023/6/24</a:t>
             </a:fld>
             <a:endParaRPr lang="zh-CN" altLang="en-US"/>
           </a:p>
@@ -1401,7 +1406,7 @@
           <a:p>
             <a:fld id="{80373113-9E69-4D39-B6AA-427C4D40D4A6}" type="datetimeFigureOut">
               <a:rPr lang="zh-CN" altLang="en-US" smtClean="0"/>
-              <a:t>2023/6/23</a:t>
+              <a:t>2023/6/24</a:t>
             </a:fld>
             <a:endParaRPr lang="zh-CN" altLang="en-US"/>
           </a:p>
@@ -1813,7 +1818,7 @@
           <a:p>
             <a:fld id="{80373113-9E69-4D39-B6AA-427C4D40D4A6}" type="datetimeFigureOut">
               <a:rPr lang="zh-CN" altLang="en-US" smtClean="0"/>
-              <a:t>2023/6/23</a:t>
+              <a:t>2023/6/24</a:t>
             </a:fld>
             <a:endParaRPr lang="zh-CN" altLang="en-US"/>
           </a:p>
@@ -1954,7 +1959,7 @@
           <a:p>
             <a:fld id="{80373113-9E69-4D39-B6AA-427C4D40D4A6}" type="datetimeFigureOut">
               <a:rPr lang="zh-CN" altLang="en-US" smtClean="0"/>
-              <a:t>2023/6/23</a:t>
+              <a:t>2023/6/24</a:t>
             </a:fld>
             <a:endParaRPr lang="zh-CN" altLang="en-US"/>
           </a:p>
@@ -2067,7 +2072,7 @@
           <a:p>
             <a:fld id="{80373113-9E69-4D39-B6AA-427C4D40D4A6}" type="datetimeFigureOut">
               <a:rPr lang="zh-CN" altLang="en-US" smtClean="0"/>
-              <a:t>2023/6/23</a:t>
+              <a:t>2023/6/24</a:t>
             </a:fld>
             <a:endParaRPr lang="zh-CN" altLang="en-US"/>
           </a:p>
@@ -2378,7 +2383,7 @@
           <a:p>
             <a:fld id="{80373113-9E69-4D39-B6AA-427C4D40D4A6}" type="datetimeFigureOut">
               <a:rPr lang="zh-CN" altLang="en-US" smtClean="0"/>
-              <a:t>2023/6/23</a:t>
+              <a:t>2023/6/24</a:t>
             </a:fld>
             <a:endParaRPr lang="zh-CN" altLang="en-US"/>
           </a:p>
@@ -2666,7 +2671,7 @@
           <a:p>
             <a:fld id="{80373113-9E69-4D39-B6AA-427C4D40D4A6}" type="datetimeFigureOut">
               <a:rPr lang="zh-CN" altLang="en-US" smtClean="0"/>
-              <a:t>2023/6/23</a:t>
+              <a:t>2023/6/24</a:t>
             </a:fld>
             <a:endParaRPr lang="zh-CN" altLang="en-US"/>
           </a:p>
@@ -2907,7 +2912,7 @@
           <a:p>
             <a:fld id="{80373113-9E69-4D39-B6AA-427C4D40D4A6}" type="datetimeFigureOut">
               <a:rPr lang="zh-CN" altLang="en-US" smtClean="0"/>
-              <a:t>2023/6/23</a:t>
+              <a:t>2023/6/24</a:t>
             </a:fld>
             <a:endParaRPr lang="zh-CN" altLang="en-US"/>
           </a:p>
@@ -5347,6 +5352,550 @@
           </a:fontRef>
         </p:style>
       </p:cxnSp>
+      <p:pic>
+        <p:nvPicPr>
+          <p:cNvPr id="122" name="图片 121">
+            <a:extLst>
+              <a:ext uri="{FF2B5EF4-FFF2-40B4-BE49-F238E27FC236}">
+                <a16:creationId xmlns:a16="http://schemas.microsoft.com/office/drawing/2014/main" id="{FB1F64C3-3BD7-797C-CE41-6BED4F247799}"/>
+              </a:ext>
+            </a:extLst>
+          </p:cNvPr>
+          <p:cNvPicPr>
+            <a:picLocks noChangeAspect="1"/>
+          </p:cNvPicPr>
+          <p:nvPr/>
+        </p:nvPicPr>
+        <p:blipFill>
+          <a:blip r:embed="rId2"/>
+          <a:stretch>
+            <a:fillRect/>
+          </a:stretch>
+        </p:blipFill>
+        <p:spPr>
+          <a:xfrm rot="10800000">
+            <a:off x="5583123" y="625678"/>
+            <a:ext cx="3201301" cy="4176624"/>
+          </a:xfrm>
+          <a:prstGeom prst="rect">
+            <a:avLst/>
+          </a:prstGeom>
+        </p:spPr>
+      </p:pic>
+      <p:sp>
+        <p:nvSpPr>
+          <p:cNvPr id="123" name="文本框 122">
+            <a:extLst>
+              <a:ext uri="{FF2B5EF4-FFF2-40B4-BE49-F238E27FC236}">
+                <a16:creationId xmlns:a16="http://schemas.microsoft.com/office/drawing/2014/main" id="{1DC6CC40-0D65-BDD0-C49B-402FFA17011D}"/>
+              </a:ext>
+            </a:extLst>
+          </p:cNvPr>
+          <p:cNvSpPr txBox="1"/>
+          <p:nvPr/>
+        </p:nvSpPr>
+        <p:spPr>
+          <a:xfrm>
+            <a:off x="6118495" y="1537835"/>
+            <a:ext cx="436475" cy="307777"/>
+          </a:xfrm>
+          <a:prstGeom prst="rect">
+            <a:avLst/>
+          </a:prstGeom>
+          <a:noFill/>
+        </p:spPr>
+        <p:txBody>
+          <a:bodyPr wrap="square" rtlCol="0">
+            <a:spAutoFit/>
+          </a:bodyPr>
+          <a:lstStyle/>
+          <a:p>
+            <a:r>
+              <a:rPr lang="en-US" altLang="zh-CN" sz="1400" dirty="0"/>
+              <a:t>Y4</a:t>
+            </a:r>
+            <a:endParaRPr lang="zh-CN" altLang="en-US" sz="1400" dirty="0"/>
+          </a:p>
+        </p:txBody>
+      </p:sp>
+      <p:sp>
+        <p:nvSpPr>
+          <p:cNvPr id="124" name="文本框 123">
+            <a:extLst>
+              <a:ext uri="{FF2B5EF4-FFF2-40B4-BE49-F238E27FC236}">
+                <a16:creationId xmlns:a16="http://schemas.microsoft.com/office/drawing/2014/main" id="{849961D6-4747-4F85-D329-2A807FD829D1}"/>
+              </a:ext>
+            </a:extLst>
+          </p:cNvPr>
+          <p:cNvSpPr txBox="1"/>
+          <p:nvPr/>
+        </p:nvSpPr>
+        <p:spPr>
+          <a:xfrm>
+            <a:off x="6777854" y="1544973"/>
+            <a:ext cx="436475" cy="307777"/>
+          </a:xfrm>
+          <a:prstGeom prst="rect">
+            <a:avLst/>
+          </a:prstGeom>
+          <a:noFill/>
+        </p:spPr>
+        <p:txBody>
+          <a:bodyPr wrap="square" rtlCol="0">
+            <a:spAutoFit/>
+          </a:bodyPr>
+          <a:lstStyle/>
+          <a:p>
+            <a:r>
+              <a:rPr lang="en-US" altLang="zh-CN" sz="1400" dirty="0"/>
+              <a:t>Y3</a:t>
+            </a:r>
+            <a:endParaRPr lang="zh-CN" altLang="en-US" sz="1400" dirty="0"/>
+          </a:p>
+        </p:txBody>
+      </p:sp>
+      <p:sp>
+        <p:nvSpPr>
+          <p:cNvPr id="125" name="文本框 124">
+            <a:extLst>
+              <a:ext uri="{FF2B5EF4-FFF2-40B4-BE49-F238E27FC236}">
+                <a16:creationId xmlns:a16="http://schemas.microsoft.com/office/drawing/2014/main" id="{AAAE2DB3-C571-21F2-767C-55CC967BE3A8}"/>
+              </a:ext>
+            </a:extLst>
+          </p:cNvPr>
+          <p:cNvSpPr txBox="1"/>
+          <p:nvPr/>
+        </p:nvSpPr>
+        <p:spPr>
+          <a:xfrm>
+            <a:off x="7437213" y="1544972"/>
+            <a:ext cx="436475" cy="307777"/>
+          </a:xfrm>
+          <a:prstGeom prst="rect">
+            <a:avLst/>
+          </a:prstGeom>
+          <a:noFill/>
+        </p:spPr>
+        <p:txBody>
+          <a:bodyPr wrap="square" rtlCol="0">
+            <a:spAutoFit/>
+          </a:bodyPr>
+          <a:lstStyle/>
+          <a:p>
+            <a:r>
+              <a:rPr lang="en-US" altLang="zh-CN" sz="1400" dirty="0"/>
+              <a:t>Y2</a:t>
+            </a:r>
+            <a:endParaRPr lang="zh-CN" altLang="en-US" sz="1400" dirty="0"/>
+          </a:p>
+        </p:txBody>
+      </p:sp>
+      <p:sp>
+        <p:nvSpPr>
+          <p:cNvPr id="126" name="文本框 125">
+            <a:extLst>
+              <a:ext uri="{FF2B5EF4-FFF2-40B4-BE49-F238E27FC236}">
+                <a16:creationId xmlns:a16="http://schemas.microsoft.com/office/drawing/2014/main" id="{CE8E2848-7DA1-69D9-25E4-8C4B7BC0A73A}"/>
+              </a:ext>
+            </a:extLst>
+          </p:cNvPr>
+          <p:cNvSpPr txBox="1"/>
+          <p:nvPr/>
+        </p:nvSpPr>
+        <p:spPr>
+          <a:xfrm>
+            <a:off x="8052023" y="1549998"/>
+            <a:ext cx="436475" cy="307777"/>
+          </a:xfrm>
+          <a:prstGeom prst="rect">
+            <a:avLst/>
+          </a:prstGeom>
+          <a:noFill/>
+        </p:spPr>
+        <p:txBody>
+          <a:bodyPr wrap="square" rtlCol="0">
+            <a:spAutoFit/>
+          </a:bodyPr>
+          <a:lstStyle/>
+          <a:p>
+            <a:r>
+              <a:rPr lang="en-US" altLang="zh-CN" sz="1400" dirty="0"/>
+              <a:t>Y1</a:t>
+            </a:r>
+            <a:endParaRPr lang="zh-CN" altLang="en-US" sz="1400" dirty="0"/>
+          </a:p>
+        </p:txBody>
+      </p:sp>
+      <p:sp>
+        <p:nvSpPr>
+          <p:cNvPr id="127" name="文本框 126">
+            <a:extLst>
+              <a:ext uri="{FF2B5EF4-FFF2-40B4-BE49-F238E27FC236}">
+                <a16:creationId xmlns:a16="http://schemas.microsoft.com/office/drawing/2014/main" id="{B4B51C7F-F262-4A85-9CE3-CA4C85A2C42D}"/>
+              </a:ext>
+            </a:extLst>
+          </p:cNvPr>
+          <p:cNvSpPr txBox="1"/>
+          <p:nvPr/>
+        </p:nvSpPr>
+        <p:spPr>
+          <a:xfrm>
+            <a:off x="6172041" y="3619759"/>
+            <a:ext cx="436475" cy="307777"/>
+          </a:xfrm>
+          <a:prstGeom prst="rect">
+            <a:avLst/>
+          </a:prstGeom>
+          <a:noFill/>
+        </p:spPr>
+        <p:txBody>
+          <a:bodyPr wrap="square" rtlCol="0">
+            <a:spAutoFit/>
+          </a:bodyPr>
+          <a:lstStyle/>
+          <a:p>
+            <a:r>
+              <a:rPr lang="en-US" altLang="zh-CN" sz="1400" dirty="0"/>
+              <a:t>Y4</a:t>
+            </a:r>
+            <a:endParaRPr lang="zh-CN" altLang="en-US" sz="1400" dirty="0"/>
+          </a:p>
+        </p:txBody>
+      </p:sp>
+      <p:sp>
+        <p:nvSpPr>
+          <p:cNvPr id="128" name="文本框 127">
+            <a:extLst>
+              <a:ext uri="{FF2B5EF4-FFF2-40B4-BE49-F238E27FC236}">
+                <a16:creationId xmlns:a16="http://schemas.microsoft.com/office/drawing/2014/main" id="{95DB5BFC-F1E3-7F32-5878-B0C161FF8B59}"/>
+              </a:ext>
+            </a:extLst>
+          </p:cNvPr>
+          <p:cNvSpPr txBox="1"/>
+          <p:nvPr/>
+        </p:nvSpPr>
+        <p:spPr>
+          <a:xfrm>
+            <a:off x="6783743" y="3619759"/>
+            <a:ext cx="436475" cy="307777"/>
+          </a:xfrm>
+          <a:prstGeom prst="rect">
+            <a:avLst/>
+          </a:prstGeom>
+          <a:noFill/>
+        </p:spPr>
+        <p:txBody>
+          <a:bodyPr wrap="square" rtlCol="0">
+            <a:spAutoFit/>
+          </a:bodyPr>
+          <a:lstStyle/>
+          <a:p>
+            <a:r>
+              <a:rPr lang="en-US" altLang="zh-CN" sz="1400" dirty="0"/>
+              <a:t>X3</a:t>
+            </a:r>
+            <a:endParaRPr lang="zh-CN" altLang="en-US" sz="1400" dirty="0"/>
+          </a:p>
+        </p:txBody>
+      </p:sp>
+      <p:sp>
+        <p:nvSpPr>
+          <p:cNvPr id="129" name="文本框 128">
+            <a:extLst>
+              <a:ext uri="{FF2B5EF4-FFF2-40B4-BE49-F238E27FC236}">
+                <a16:creationId xmlns:a16="http://schemas.microsoft.com/office/drawing/2014/main" id="{475C2AD8-7B03-0EFD-0AFA-0ABF2508B537}"/>
+              </a:ext>
+            </a:extLst>
+          </p:cNvPr>
+          <p:cNvSpPr txBox="1"/>
+          <p:nvPr/>
+        </p:nvSpPr>
+        <p:spPr>
+          <a:xfrm>
+            <a:off x="7441043" y="3609740"/>
+            <a:ext cx="436475" cy="307777"/>
+          </a:xfrm>
+          <a:prstGeom prst="rect">
+            <a:avLst/>
+          </a:prstGeom>
+          <a:noFill/>
+        </p:spPr>
+        <p:txBody>
+          <a:bodyPr wrap="square" rtlCol="0">
+            <a:spAutoFit/>
+          </a:bodyPr>
+          <a:lstStyle/>
+          <a:p>
+            <a:r>
+              <a:rPr lang="en-US" altLang="zh-CN" sz="1400" dirty="0"/>
+              <a:t>X2</a:t>
+            </a:r>
+            <a:endParaRPr lang="zh-CN" altLang="en-US" sz="1400" dirty="0"/>
+          </a:p>
+        </p:txBody>
+      </p:sp>
+      <p:sp>
+        <p:nvSpPr>
+          <p:cNvPr id="130" name="文本框 129">
+            <a:extLst>
+              <a:ext uri="{FF2B5EF4-FFF2-40B4-BE49-F238E27FC236}">
+                <a16:creationId xmlns:a16="http://schemas.microsoft.com/office/drawing/2014/main" id="{D92B04B3-0B06-D2D1-1CE9-5C573BF62AC6}"/>
+              </a:ext>
+            </a:extLst>
+          </p:cNvPr>
+          <p:cNvSpPr txBox="1"/>
+          <p:nvPr/>
+        </p:nvSpPr>
+        <p:spPr>
+          <a:xfrm>
+            <a:off x="8051443" y="3613387"/>
+            <a:ext cx="436475" cy="307777"/>
+          </a:xfrm>
+          <a:prstGeom prst="rect">
+            <a:avLst/>
+          </a:prstGeom>
+          <a:noFill/>
+        </p:spPr>
+        <p:txBody>
+          <a:bodyPr wrap="square" rtlCol="0">
+            <a:spAutoFit/>
+          </a:bodyPr>
+          <a:lstStyle/>
+          <a:p>
+            <a:r>
+              <a:rPr lang="en-US" altLang="zh-CN" sz="1400" dirty="0"/>
+              <a:t>X1</a:t>
+            </a:r>
+            <a:endParaRPr lang="zh-CN" altLang="en-US" sz="1400" dirty="0"/>
+          </a:p>
+        </p:txBody>
+      </p:sp>
+      <p:sp>
+        <p:nvSpPr>
+          <p:cNvPr id="131" name="文本框 130">
+            <a:extLst>
+              <a:ext uri="{FF2B5EF4-FFF2-40B4-BE49-F238E27FC236}">
+                <a16:creationId xmlns:a16="http://schemas.microsoft.com/office/drawing/2014/main" id="{D9AB30BE-CD1A-F0A6-95D7-F89A04C6811A}"/>
+              </a:ext>
+            </a:extLst>
+          </p:cNvPr>
+          <p:cNvSpPr txBox="1"/>
+          <p:nvPr/>
+        </p:nvSpPr>
+        <p:spPr>
+          <a:xfrm>
+            <a:off x="7076376" y="4081378"/>
+            <a:ext cx="496547" cy="307777"/>
+          </a:xfrm>
+          <a:prstGeom prst="rect">
+            <a:avLst/>
+          </a:prstGeom>
+          <a:noFill/>
+        </p:spPr>
+        <p:txBody>
+          <a:bodyPr wrap="square" rtlCol="0">
+            <a:spAutoFit/>
+          </a:bodyPr>
+          <a:lstStyle/>
+          <a:p>
+            <a:r>
+              <a:rPr lang="en-US" altLang="zh-CN" sz="1400" dirty="0"/>
+              <a:t>1×1</a:t>
+            </a:r>
+            <a:endParaRPr lang="zh-CN" altLang="en-US" sz="1400" dirty="0"/>
+          </a:p>
+        </p:txBody>
+      </p:sp>
+      <p:sp>
+        <p:nvSpPr>
+          <p:cNvPr id="132" name="文本框 131">
+            <a:extLst>
+              <a:ext uri="{FF2B5EF4-FFF2-40B4-BE49-F238E27FC236}">
+                <a16:creationId xmlns:a16="http://schemas.microsoft.com/office/drawing/2014/main" id="{4ECE9315-2021-9421-A848-F35587C04328}"/>
+              </a:ext>
+            </a:extLst>
+          </p:cNvPr>
+          <p:cNvSpPr txBox="1"/>
+          <p:nvPr/>
+        </p:nvSpPr>
+        <p:spPr>
+          <a:xfrm>
+            <a:off x="7042599" y="1035211"/>
+            <a:ext cx="496547" cy="307777"/>
+          </a:xfrm>
+          <a:prstGeom prst="rect">
+            <a:avLst/>
+          </a:prstGeom>
+          <a:noFill/>
+        </p:spPr>
+        <p:txBody>
+          <a:bodyPr wrap="square" rtlCol="0">
+            <a:spAutoFit/>
+          </a:bodyPr>
+          <a:lstStyle/>
+          <a:p>
+            <a:r>
+              <a:rPr lang="en-US" altLang="zh-CN" sz="1400" dirty="0"/>
+              <a:t>1×1</a:t>
+            </a:r>
+            <a:endParaRPr lang="zh-CN" altLang="en-US" sz="1400" dirty="0"/>
+          </a:p>
+        </p:txBody>
+      </p:sp>
+      <p:sp>
+        <p:nvSpPr>
+          <p:cNvPr id="133" name="文本框 132">
+            <a:extLst>
+              <a:ext uri="{FF2B5EF4-FFF2-40B4-BE49-F238E27FC236}">
+                <a16:creationId xmlns:a16="http://schemas.microsoft.com/office/drawing/2014/main" id="{CCC6F7CC-2083-22A1-68C3-8A7BCF232D5C}"/>
+              </a:ext>
+            </a:extLst>
+          </p:cNvPr>
+          <p:cNvSpPr txBox="1"/>
+          <p:nvPr/>
+        </p:nvSpPr>
+        <p:spPr>
+          <a:xfrm>
+            <a:off x="7377141" y="3092302"/>
+            <a:ext cx="496547" cy="307777"/>
+          </a:xfrm>
+          <a:prstGeom prst="rect">
+            <a:avLst/>
+          </a:prstGeom>
+          <a:noFill/>
+        </p:spPr>
+        <p:txBody>
+          <a:bodyPr wrap="square" rtlCol="0">
+            <a:spAutoFit/>
+          </a:bodyPr>
+          <a:lstStyle/>
+          <a:p>
+            <a:r>
+              <a:rPr lang="en-US" altLang="zh-CN" sz="1400" dirty="0"/>
+              <a:t>3×3</a:t>
+            </a:r>
+            <a:endParaRPr lang="zh-CN" altLang="en-US" sz="1400" dirty="0"/>
+          </a:p>
+        </p:txBody>
+      </p:sp>
+      <p:sp>
+        <p:nvSpPr>
+          <p:cNvPr id="134" name="文本框 133">
+            <a:extLst>
+              <a:ext uri="{FF2B5EF4-FFF2-40B4-BE49-F238E27FC236}">
+                <a16:creationId xmlns:a16="http://schemas.microsoft.com/office/drawing/2014/main" id="{DE167B51-452C-26C9-71B3-A9E568246A4E}"/>
+              </a:ext>
+            </a:extLst>
+          </p:cNvPr>
+          <p:cNvSpPr txBox="1"/>
+          <p:nvPr/>
+        </p:nvSpPr>
+        <p:spPr>
+          <a:xfrm>
+            <a:off x="6747817" y="2589921"/>
+            <a:ext cx="496547" cy="307777"/>
+          </a:xfrm>
+          <a:prstGeom prst="rect">
+            <a:avLst/>
+          </a:prstGeom>
+          <a:noFill/>
+        </p:spPr>
+        <p:txBody>
+          <a:bodyPr wrap="square" rtlCol="0">
+            <a:spAutoFit/>
+          </a:bodyPr>
+          <a:lstStyle/>
+          <a:p>
+            <a:r>
+              <a:rPr lang="en-US" altLang="zh-CN" sz="1400" dirty="0"/>
+              <a:t>3×3</a:t>
+            </a:r>
+            <a:endParaRPr lang="zh-CN" altLang="en-US" sz="1400" dirty="0"/>
+          </a:p>
+        </p:txBody>
+      </p:sp>
+      <p:sp>
+        <p:nvSpPr>
+          <p:cNvPr id="135" name="文本框 134">
+            <a:extLst>
+              <a:ext uri="{FF2B5EF4-FFF2-40B4-BE49-F238E27FC236}">
+                <a16:creationId xmlns:a16="http://schemas.microsoft.com/office/drawing/2014/main" id="{DC7CA491-57D0-94E7-9F3F-53FBCD26D8AB}"/>
+              </a:ext>
+            </a:extLst>
+          </p:cNvPr>
+          <p:cNvSpPr txBox="1"/>
+          <p:nvPr/>
+        </p:nvSpPr>
+        <p:spPr>
+          <a:xfrm>
+            <a:off x="6088458" y="2129106"/>
+            <a:ext cx="496547" cy="307777"/>
+          </a:xfrm>
+          <a:prstGeom prst="rect">
+            <a:avLst/>
+          </a:prstGeom>
+          <a:noFill/>
+        </p:spPr>
+        <p:txBody>
+          <a:bodyPr wrap="square" rtlCol="0">
+            <a:spAutoFit/>
+          </a:bodyPr>
+          <a:lstStyle/>
+          <a:p>
+            <a:r>
+              <a:rPr lang="en-US" altLang="zh-CN" sz="1400" dirty="0"/>
+              <a:t>3×3</a:t>
+            </a:r>
+            <a:endParaRPr lang="zh-CN" altLang="en-US" sz="1400" dirty="0"/>
+          </a:p>
+        </p:txBody>
+      </p:sp>
+      <p:sp>
+        <p:nvSpPr>
+          <p:cNvPr id="138" name="箭头: 右 137">
+            <a:extLst>
+              <a:ext uri="{FF2B5EF4-FFF2-40B4-BE49-F238E27FC236}">
+                <a16:creationId xmlns:a16="http://schemas.microsoft.com/office/drawing/2014/main" id="{26AB19BA-1881-22A5-A363-FDEFE1F1F7E8}"/>
+              </a:ext>
+            </a:extLst>
+          </p:cNvPr>
+          <p:cNvSpPr/>
+          <p:nvPr/>
+        </p:nvSpPr>
+        <p:spPr>
+          <a:xfrm>
+            <a:off x="4883169" y="1926930"/>
+            <a:ext cx="840260" cy="164382"/>
+          </a:xfrm>
+          <a:prstGeom prst="rightArrow">
+            <a:avLst/>
+          </a:prstGeom>
+        </p:spPr>
+        <p:style>
+          <a:lnRef idx="2">
+            <a:schemeClr val="accent1">
+              <a:shade val="15000"/>
+            </a:schemeClr>
+          </a:lnRef>
+          <a:fillRef idx="1">
+            <a:schemeClr val="accent1"/>
+          </a:fillRef>
+          <a:effectRef idx="0">
+            <a:schemeClr val="accent1"/>
+          </a:effectRef>
+          <a:fontRef idx="minor">
+            <a:schemeClr val="lt1"/>
+          </a:fontRef>
+        </p:style>
+        <p:txBody>
+          <a:bodyPr rtlCol="0" anchor="ctr"/>
+          <a:lstStyle/>
+          <a:p>
+            <a:pPr algn="ctr"/>
+            <a:endParaRPr lang="zh-CN" altLang="en-US"/>
+          </a:p>
+        </p:txBody>
+      </p:sp>
     </p:spTree>
     <p:extLst>
       <p:ext uri="{BB962C8B-B14F-4D97-AF65-F5344CB8AC3E}">
